--- a/db.accdb.pptx
+++ b/db.accdb.pptx
@@ -262,7 +262,7 @@
           <a:p>
             <a:fld id="{B1747F6D-B8BE-4E75-9380-12E0FF316CA7}" type="datetimeFigureOut">
               <a:rPr lang="en-IN" smtClean="0"/>
-              <a:t>25-07-2024</a:t>
+              <a:t>29-07-2024</a:t>
             </a:fld>
             <a:endParaRPr lang="en-IN"/>
           </a:p>
@@ -462,7 +462,7 @@
           <a:p>
             <a:fld id="{B1747F6D-B8BE-4E75-9380-12E0FF316CA7}" type="datetimeFigureOut">
               <a:rPr lang="en-IN" smtClean="0"/>
-              <a:t>25-07-2024</a:t>
+              <a:t>29-07-2024</a:t>
             </a:fld>
             <a:endParaRPr lang="en-IN"/>
           </a:p>
@@ -672,7 +672,7 @@
           <a:p>
             <a:fld id="{B1747F6D-B8BE-4E75-9380-12E0FF316CA7}" type="datetimeFigureOut">
               <a:rPr lang="en-IN" smtClean="0"/>
-              <a:t>25-07-2024</a:t>
+              <a:t>29-07-2024</a:t>
             </a:fld>
             <a:endParaRPr lang="en-IN"/>
           </a:p>
@@ -872,7 +872,7 @@
           <a:p>
             <a:fld id="{B1747F6D-B8BE-4E75-9380-12E0FF316CA7}" type="datetimeFigureOut">
               <a:rPr lang="en-IN" smtClean="0"/>
-              <a:t>25-07-2024</a:t>
+              <a:t>29-07-2024</a:t>
             </a:fld>
             <a:endParaRPr lang="en-IN"/>
           </a:p>
@@ -1148,7 +1148,7 @@
           <a:p>
             <a:fld id="{B1747F6D-B8BE-4E75-9380-12E0FF316CA7}" type="datetimeFigureOut">
               <a:rPr lang="en-IN" smtClean="0"/>
-              <a:t>25-07-2024</a:t>
+              <a:t>29-07-2024</a:t>
             </a:fld>
             <a:endParaRPr lang="en-IN"/>
           </a:p>
@@ -1416,7 +1416,7 @@
           <a:p>
             <a:fld id="{B1747F6D-B8BE-4E75-9380-12E0FF316CA7}" type="datetimeFigureOut">
               <a:rPr lang="en-IN" smtClean="0"/>
-              <a:t>25-07-2024</a:t>
+              <a:t>29-07-2024</a:t>
             </a:fld>
             <a:endParaRPr lang="en-IN"/>
           </a:p>
@@ -1831,7 +1831,7 @@
           <a:p>
             <a:fld id="{B1747F6D-B8BE-4E75-9380-12E0FF316CA7}" type="datetimeFigureOut">
               <a:rPr lang="en-IN" smtClean="0"/>
-              <a:t>25-07-2024</a:t>
+              <a:t>29-07-2024</a:t>
             </a:fld>
             <a:endParaRPr lang="en-IN"/>
           </a:p>
@@ -1973,7 +1973,7 @@
           <a:p>
             <a:fld id="{B1747F6D-B8BE-4E75-9380-12E0FF316CA7}" type="datetimeFigureOut">
               <a:rPr lang="en-IN" smtClean="0"/>
-              <a:t>25-07-2024</a:t>
+              <a:t>29-07-2024</a:t>
             </a:fld>
             <a:endParaRPr lang="en-IN"/>
           </a:p>
@@ -2086,7 +2086,7 @@
           <a:p>
             <a:fld id="{B1747F6D-B8BE-4E75-9380-12E0FF316CA7}" type="datetimeFigureOut">
               <a:rPr lang="en-IN" smtClean="0"/>
-              <a:t>25-07-2024</a:t>
+              <a:t>29-07-2024</a:t>
             </a:fld>
             <a:endParaRPr lang="en-IN"/>
           </a:p>
@@ -2399,7 +2399,7 @@
           <a:p>
             <a:fld id="{B1747F6D-B8BE-4E75-9380-12E0FF316CA7}" type="datetimeFigureOut">
               <a:rPr lang="en-IN" smtClean="0"/>
-              <a:t>25-07-2024</a:t>
+              <a:t>29-07-2024</a:t>
             </a:fld>
             <a:endParaRPr lang="en-IN"/>
           </a:p>
@@ -2688,7 +2688,7 @@
           <a:p>
             <a:fld id="{B1747F6D-B8BE-4E75-9380-12E0FF316CA7}" type="datetimeFigureOut">
               <a:rPr lang="en-IN" smtClean="0"/>
-              <a:t>25-07-2024</a:t>
+              <a:t>29-07-2024</a:t>
             </a:fld>
             <a:endParaRPr lang="en-IN"/>
           </a:p>
@@ -2931,7 +2931,7 @@
           <a:p>
             <a:fld id="{B1747F6D-B8BE-4E75-9380-12E0FF316CA7}" type="datetimeFigureOut">
               <a:rPr lang="en-IN" smtClean="0"/>
-              <a:t>25-07-2024</a:t>
+              <a:t>29-07-2024</a:t>
             </a:fld>
             <a:endParaRPr lang="en-IN"/>
           </a:p>
@@ -3370,8 +3370,8 @@
           <a:lstStyle/>
           <a:p>
             <a:r>
-              <a:rPr lang="en-IN" dirty="0" err="1"/>
-              <a:t>yyryjtftj</a:t>
+              <a:rPr lang="en-IN"/>
+              <a:t>abcdtftj</a:t>
             </a:r>
             <a:endParaRPr lang="en-IN" dirty="0"/>
           </a:p>

--- a/db.accdb.pptx
+++ b/db.accdb.pptx
@@ -262,7 +262,7 @@
           <a:p>
             <a:fld id="{B1747F6D-B8BE-4E75-9380-12E0FF316CA7}" type="datetimeFigureOut">
               <a:rPr lang="en-IN" smtClean="0"/>
-              <a:t>25-07-2024</a:t>
+              <a:t>29-07-2024</a:t>
             </a:fld>
             <a:endParaRPr lang="en-IN"/>
           </a:p>
@@ -462,7 +462,7 @@
           <a:p>
             <a:fld id="{B1747F6D-B8BE-4E75-9380-12E0FF316CA7}" type="datetimeFigureOut">
               <a:rPr lang="en-IN" smtClean="0"/>
-              <a:t>25-07-2024</a:t>
+              <a:t>29-07-2024</a:t>
             </a:fld>
             <a:endParaRPr lang="en-IN"/>
           </a:p>
@@ -672,7 +672,7 @@
           <a:p>
             <a:fld id="{B1747F6D-B8BE-4E75-9380-12E0FF316CA7}" type="datetimeFigureOut">
               <a:rPr lang="en-IN" smtClean="0"/>
-              <a:t>25-07-2024</a:t>
+              <a:t>29-07-2024</a:t>
             </a:fld>
             <a:endParaRPr lang="en-IN"/>
           </a:p>
@@ -872,7 +872,7 @@
           <a:p>
             <a:fld id="{B1747F6D-B8BE-4E75-9380-12E0FF316CA7}" type="datetimeFigureOut">
               <a:rPr lang="en-IN" smtClean="0"/>
-              <a:t>25-07-2024</a:t>
+              <a:t>29-07-2024</a:t>
             </a:fld>
             <a:endParaRPr lang="en-IN"/>
           </a:p>
@@ -1148,7 +1148,7 @@
           <a:p>
             <a:fld id="{B1747F6D-B8BE-4E75-9380-12E0FF316CA7}" type="datetimeFigureOut">
               <a:rPr lang="en-IN" smtClean="0"/>
-              <a:t>25-07-2024</a:t>
+              <a:t>29-07-2024</a:t>
             </a:fld>
             <a:endParaRPr lang="en-IN"/>
           </a:p>
@@ -1416,7 +1416,7 @@
           <a:p>
             <a:fld id="{B1747F6D-B8BE-4E75-9380-12E0FF316CA7}" type="datetimeFigureOut">
               <a:rPr lang="en-IN" smtClean="0"/>
-              <a:t>25-07-2024</a:t>
+              <a:t>29-07-2024</a:t>
             </a:fld>
             <a:endParaRPr lang="en-IN"/>
           </a:p>
@@ -1831,7 +1831,7 @@
           <a:p>
             <a:fld id="{B1747F6D-B8BE-4E75-9380-12E0FF316CA7}" type="datetimeFigureOut">
               <a:rPr lang="en-IN" smtClean="0"/>
-              <a:t>25-07-2024</a:t>
+              <a:t>29-07-2024</a:t>
             </a:fld>
             <a:endParaRPr lang="en-IN"/>
           </a:p>
@@ -1973,7 +1973,7 @@
           <a:p>
             <a:fld id="{B1747F6D-B8BE-4E75-9380-12E0FF316CA7}" type="datetimeFigureOut">
               <a:rPr lang="en-IN" smtClean="0"/>
-              <a:t>25-07-2024</a:t>
+              <a:t>29-07-2024</a:t>
             </a:fld>
             <a:endParaRPr lang="en-IN"/>
           </a:p>
@@ -2086,7 +2086,7 @@
           <a:p>
             <a:fld id="{B1747F6D-B8BE-4E75-9380-12E0FF316CA7}" type="datetimeFigureOut">
               <a:rPr lang="en-IN" smtClean="0"/>
-              <a:t>25-07-2024</a:t>
+              <a:t>29-07-2024</a:t>
             </a:fld>
             <a:endParaRPr lang="en-IN"/>
           </a:p>
@@ -2399,7 +2399,7 @@
           <a:p>
             <a:fld id="{B1747F6D-B8BE-4E75-9380-12E0FF316CA7}" type="datetimeFigureOut">
               <a:rPr lang="en-IN" smtClean="0"/>
-              <a:t>25-07-2024</a:t>
+              <a:t>29-07-2024</a:t>
             </a:fld>
             <a:endParaRPr lang="en-IN"/>
           </a:p>
@@ -2688,7 +2688,7 @@
           <a:p>
             <a:fld id="{B1747F6D-B8BE-4E75-9380-12E0FF316CA7}" type="datetimeFigureOut">
               <a:rPr lang="en-IN" smtClean="0"/>
-              <a:t>25-07-2024</a:t>
+              <a:t>29-07-2024</a:t>
             </a:fld>
             <a:endParaRPr lang="en-IN"/>
           </a:p>
@@ -2931,7 +2931,7 @@
           <a:p>
             <a:fld id="{B1747F6D-B8BE-4E75-9380-12E0FF316CA7}" type="datetimeFigureOut">
               <a:rPr lang="en-IN" smtClean="0"/>
-              <a:t>25-07-2024</a:t>
+              <a:t>29-07-2024</a:t>
             </a:fld>
             <a:endParaRPr lang="en-IN"/>
           </a:p>
@@ -3400,8 +3400,9 @@
           <a:p>
             <a:r>
               <a:rPr lang="en-IN"/>
-              <a:t>Yerye4ye4fmhmh,</a:t>
-            </a:r>
+              <a:t>efghi</a:t>
+            </a:r>
+            <a:endParaRPr lang="en-IN" dirty="0"/>
           </a:p>
         </p:txBody>
       </p:sp>
